--- a/morea/08.project1/project1/Project.pptx
+++ b/morea/08.project1/project1/Project.pptx
@@ -26801,17 +26801,6 @@
             <a:pPr lvl="1"/>
             <a:r>
               <a:rPr lang="en-US" b="1" dirty="0" smtClean="0"/>
-              <a:t>pull </a:t>
-            </a:r>
-            <a:r>
-              <a:rPr lang="en-US" dirty="0" smtClean="0"/>
-              <a:t>(if there are conflicting changes, address these in eclipse before proceeding)</a:t>
-            </a:r>
-          </a:p>
-          <a:p>
-            <a:pPr lvl="1"/>
-            <a:r>
-              <a:rPr lang="en-US" b="1" dirty="0" smtClean="0"/>
               <a:t>Stage</a:t>
             </a:r>
             <a:r>
@@ -26837,6 +26826,26 @@
           <a:p>
             <a:pPr lvl="1"/>
             <a:r>
+              <a:rPr lang="en-US" b="1"/>
+              <a:t>pull </a:t>
+            </a:r>
+            <a:r>
+              <a:rPr lang="en-US"/>
+              <a:t>(if there are conflicting changes, address these in eclipse before </a:t>
+            </a:r>
+            <a:r>
+              <a:rPr lang="en-US"/>
+              <a:t>proceeding</a:t>
+            </a:r>
+            <a:r>
+              <a:rPr lang="en-US" smtClean="0"/>
+              <a:t>)</a:t>
+            </a:r>
+            <a:endParaRPr lang="en-US" dirty="0" smtClean="0"/>
+          </a:p>
+          <a:p>
+            <a:pPr lvl="1"/>
+            <a:r>
               <a:rPr lang="en-US" b="1" dirty="0"/>
               <a:t>p</a:t>
             </a:r>
@@ -26853,14 +26862,6 @@
               <a:t>github</a:t>
             </a:r>
             <a:endParaRPr lang="en-US" dirty="0" smtClean="0"/>
-          </a:p>
-          <a:p>
-            <a:pPr lvl="1"/>
-            <a:endParaRPr lang="en-US" dirty="0" smtClean="0"/>
-          </a:p>
-          <a:p>
-            <a:pPr lvl="1"/>
-            <a:endParaRPr lang="en-US" dirty="0"/>
           </a:p>
         </p:txBody>
       </p:sp>
